--- a/Wprowadzenie do funkcji/I. Wprowadzenie do funkcji/Ćwiczenie w grupach.pptx
+++ b/Wprowadzenie do funkcji/I. Wprowadzenie do funkcji/Ćwiczenie w grupach.pptx
@@ -124,6 +124,506 @@
 </p:presentation>
 </file>
 
+<file path=ppt/changesInfos/changesInfo1.xml><?xml version="1.0" encoding="utf-8"?>
+<pc:chgInfo xmlns:a="http://schemas.openxmlformats.org/drawingml/2006/main" xmlns:r="http://schemas.openxmlformats.org/officeDocument/2006/relationships" xmlns:ac="http://schemas.microsoft.com/office/drawing/2013/main/command" xmlns:pc="http://schemas.microsoft.com/office/powerpoint/2013/main/command">
+  <pc:docChgLst>
+    <pc:chgData name="Damian Kurpiewski" userId="a6c40eeacb61fb23" providerId="LiveId" clId="{853CBB9A-8A65-4AAF-9EDB-6FDAD1C8D48E}"/>
+    <pc:docChg chg="undo custSel modSld">
+      <pc:chgData name="Damian Kurpiewski" userId="a6c40eeacb61fb23" providerId="LiveId" clId="{853CBB9A-8A65-4AAF-9EDB-6FDAD1C8D48E}" dt="2021-02-21T18:33:54.587" v="72" actId="20577"/>
+      <pc:docMkLst>
+        <pc:docMk/>
+      </pc:docMkLst>
+      <pc:sldChg chg="addSp modSp mod setBg addAnim setClrOvrMap">
+        <pc:chgData name="Damian Kurpiewski" userId="a6c40eeacb61fb23" providerId="LiveId" clId="{853CBB9A-8A65-4AAF-9EDB-6FDAD1C8D48E}" dt="2021-02-21T18:33:54.587" v="72" actId="20577"/>
+        <pc:sldMkLst>
+          <pc:docMk/>
+          <pc:sldMk cId="4114485027" sldId="256"/>
+        </pc:sldMkLst>
+        <pc:spChg chg="mod">
+          <ac:chgData name="Damian Kurpiewski" userId="a6c40eeacb61fb23" providerId="LiveId" clId="{853CBB9A-8A65-4AAF-9EDB-6FDAD1C8D48E}" dt="2021-02-21T18:30:17.206" v="0" actId="26606"/>
+          <ac:spMkLst>
+            <pc:docMk/>
+            <pc:sldMk cId="4114485027" sldId="256"/>
+            <ac:spMk id="2" creationId="{6B80CC72-6FBA-4F30-BFE0-BC78A62FAEB7}"/>
+          </ac:spMkLst>
+        </pc:spChg>
+        <pc:spChg chg="mod">
+          <ac:chgData name="Damian Kurpiewski" userId="a6c40eeacb61fb23" providerId="LiveId" clId="{853CBB9A-8A65-4AAF-9EDB-6FDAD1C8D48E}" dt="2021-02-21T18:33:54.587" v="72" actId="20577"/>
+          <ac:spMkLst>
+            <pc:docMk/>
+            <pc:sldMk cId="4114485027" sldId="256"/>
+            <ac:spMk id="3" creationId="{24F9088A-5ABE-400A-95F6-57770C21F661}"/>
+          </ac:spMkLst>
+        </pc:spChg>
+        <pc:spChg chg="add">
+          <ac:chgData name="Damian Kurpiewski" userId="a6c40eeacb61fb23" providerId="LiveId" clId="{853CBB9A-8A65-4AAF-9EDB-6FDAD1C8D48E}" dt="2021-02-21T18:30:17.206" v="0" actId="26606"/>
+          <ac:spMkLst>
+            <pc:docMk/>
+            <pc:sldMk cId="4114485027" sldId="256"/>
+            <ac:spMk id="9" creationId="{71B2258F-86CA-4D4D-8270-BC05FCDEBFB3}"/>
+          </ac:spMkLst>
+        </pc:spChg>
+        <pc:picChg chg="add">
+          <ac:chgData name="Damian Kurpiewski" userId="a6c40eeacb61fb23" providerId="LiveId" clId="{853CBB9A-8A65-4AAF-9EDB-6FDAD1C8D48E}" dt="2021-02-21T18:30:17.206" v="0" actId="26606"/>
+          <ac:picMkLst>
+            <pc:docMk/>
+            <pc:sldMk cId="4114485027" sldId="256"/>
+            <ac:picMk id="5" creationId="{794FAFB1-A1D8-40E9-809F-47875CBAD9F1}"/>
+          </ac:picMkLst>
+        </pc:picChg>
+      </pc:sldChg>
+      <pc:sldChg chg="addSp delSp modSp mod setBg">
+        <pc:chgData name="Damian Kurpiewski" userId="a6c40eeacb61fb23" providerId="LiveId" clId="{853CBB9A-8A65-4AAF-9EDB-6FDAD1C8D48E}" dt="2021-02-21T18:33:15.844" v="53" actId="20577"/>
+        <pc:sldMkLst>
+          <pc:docMk/>
+          <pc:sldMk cId="3942144561" sldId="257"/>
+        </pc:sldMkLst>
+        <pc:spChg chg="mod">
+          <ac:chgData name="Damian Kurpiewski" userId="a6c40eeacb61fb23" providerId="LiveId" clId="{853CBB9A-8A65-4AAF-9EDB-6FDAD1C8D48E}" dt="2021-02-21T18:32:39.194" v="43" actId="26606"/>
+          <ac:spMkLst>
+            <pc:docMk/>
+            <pc:sldMk cId="3942144561" sldId="257"/>
+            <ac:spMk id="2" creationId="{1477C4B9-8B45-DD4E-AE7F-6042DB249177}"/>
+          </ac:spMkLst>
+        </pc:spChg>
+        <pc:spChg chg="mod">
+          <ac:chgData name="Damian Kurpiewski" userId="a6c40eeacb61fb23" providerId="LiveId" clId="{853CBB9A-8A65-4AAF-9EDB-6FDAD1C8D48E}" dt="2021-02-21T18:33:15.844" v="53" actId="20577"/>
+          <ac:spMkLst>
+            <pc:docMk/>
+            <pc:sldMk cId="3942144561" sldId="257"/>
+            <ac:spMk id="3" creationId="{9D984B5F-DBB7-BA43-9D2B-28867A76FD3A}"/>
+          </ac:spMkLst>
+        </pc:spChg>
+        <pc:spChg chg="add del">
+          <ac:chgData name="Damian Kurpiewski" userId="a6c40eeacb61fb23" providerId="LiveId" clId="{853CBB9A-8A65-4AAF-9EDB-6FDAD1C8D48E}" dt="2021-02-21T18:30:35.878" v="3" actId="26606"/>
+          <ac:spMkLst>
+            <pc:docMk/>
+            <pc:sldMk cId="3942144561" sldId="257"/>
+            <ac:spMk id="8" creationId="{44D65982-4F00-4330-8DAA-DE6A9E4D6D23}"/>
+          </ac:spMkLst>
+        </pc:spChg>
+        <pc:spChg chg="add del">
+          <ac:chgData name="Damian Kurpiewski" userId="a6c40eeacb61fb23" providerId="LiveId" clId="{853CBB9A-8A65-4AAF-9EDB-6FDAD1C8D48E}" dt="2021-02-21T18:30:38.938" v="7" actId="26606"/>
+          <ac:spMkLst>
+            <pc:docMk/>
+            <pc:sldMk cId="3942144561" sldId="257"/>
+            <ac:spMk id="16" creationId="{53172EE5-132F-4DD4-8855-4DBBD9C3465E}"/>
+          </ac:spMkLst>
+        </pc:spChg>
+        <pc:spChg chg="add del">
+          <ac:chgData name="Damian Kurpiewski" userId="a6c40eeacb61fb23" providerId="LiveId" clId="{853CBB9A-8A65-4AAF-9EDB-6FDAD1C8D48E}" dt="2021-02-21T18:31:03.012" v="21" actId="26606"/>
+          <ac:spMkLst>
+            <pc:docMk/>
+            <pc:sldMk cId="3942144561" sldId="257"/>
+            <ac:spMk id="20" creationId="{88853921-7BC9-4BDE-ACAB-133C683C82D6}"/>
+          </ac:spMkLst>
+        </pc:spChg>
+        <pc:spChg chg="add del">
+          <ac:chgData name="Damian Kurpiewski" userId="a6c40eeacb61fb23" providerId="LiveId" clId="{853CBB9A-8A65-4AAF-9EDB-6FDAD1C8D48E}" dt="2021-02-21T18:31:03.012" v="21" actId="26606"/>
+          <ac:spMkLst>
+            <pc:docMk/>
+            <pc:sldMk cId="3942144561" sldId="257"/>
+            <ac:spMk id="22" creationId="{09192968-3AE7-4470-A61C-97294BB92731}"/>
+          </ac:spMkLst>
+        </pc:spChg>
+        <pc:spChg chg="add del">
+          <ac:chgData name="Damian Kurpiewski" userId="a6c40eeacb61fb23" providerId="LiveId" clId="{853CBB9A-8A65-4AAF-9EDB-6FDAD1C8D48E}" dt="2021-02-21T18:30:37.480" v="5" actId="26606"/>
+          <ac:spMkLst>
+            <pc:docMk/>
+            <pc:sldMk cId="3942144561" sldId="257"/>
+            <ac:spMk id="23" creationId="{327D73B4-9F5C-4A64-A179-51B9500CB8B5}"/>
+          </ac:spMkLst>
+        </pc:spChg>
+        <pc:spChg chg="add del">
+          <ac:chgData name="Damian Kurpiewski" userId="a6c40eeacb61fb23" providerId="LiveId" clId="{853CBB9A-8A65-4AAF-9EDB-6FDAD1C8D48E}" dt="2021-02-21T18:30:37.480" v="5" actId="26606"/>
+          <ac:spMkLst>
+            <pc:docMk/>
+            <pc:sldMk cId="3942144561" sldId="257"/>
+            <ac:spMk id="24" creationId="{C1F06963-6374-4B48-844F-071A9BAAAE02}"/>
+          </ac:spMkLst>
+        </pc:spChg>
+        <pc:spChg chg="add del">
+          <ac:chgData name="Damian Kurpiewski" userId="a6c40eeacb61fb23" providerId="LiveId" clId="{853CBB9A-8A65-4AAF-9EDB-6FDAD1C8D48E}" dt="2021-02-21T18:30:37.480" v="5" actId="26606"/>
+          <ac:spMkLst>
+            <pc:docMk/>
+            <pc:sldMk cId="3942144561" sldId="257"/>
+            <ac:spMk id="25" creationId="{6CB927A4-E432-4310-9CD5-E89FF5063179}"/>
+          </ac:spMkLst>
+        </pc:spChg>
+        <pc:spChg chg="add del">
+          <ac:chgData name="Damian Kurpiewski" userId="a6c40eeacb61fb23" providerId="LiveId" clId="{853CBB9A-8A65-4AAF-9EDB-6FDAD1C8D48E}" dt="2021-02-21T18:30:37.480" v="5" actId="26606"/>
+          <ac:spMkLst>
+            <pc:docMk/>
+            <pc:sldMk cId="3942144561" sldId="257"/>
+            <ac:spMk id="26" creationId="{1453BF6C-B012-48B7-B4E8-6D7AC7C27D02}"/>
+          </ac:spMkLst>
+        </pc:spChg>
+        <pc:spChg chg="add del">
+          <ac:chgData name="Damian Kurpiewski" userId="a6c40eeacb61fb23" providerId="LiveId" clId="{853CBB9A-8A65-4AAF-9EDB-6FDAD1C8D48E}" dt="2021-02-21T18:30:37.480" v="5" actId="26606"/>
+          <ac:spMkLst>
+            <pc:docMk/>
+            <pc:sldMk cId="3942144561" sldId="257"/>
+            <ac:spMk id="27" creationId="{E3020543-B24B-4EC4-8FFC-8DD88EEA91A8}"/>
+          </ac:spMkLst>
+        </pc:spChg>
+        <pc:spChg chg="add del">
+          <ac:chgData name="Damian Kurpiewski" userId="a6c40eeacb61fb23" providerId="LiveId" clId="{853CBB9A-8A65-4AAF-9EDB-6FDAD1C8D48E}" dt="2021-02-21T18:30:38.938" v="7" actId="26606"/>
+          <ac:spMkLst>
+            <pc:docMk/>
+            <pc:sldMk cId="3942144561" sldId="257"/>
+            <ac:spMk id="30" creationId="{0D7B6173-1D58-48E2-83CF-37350F315F75}"/>
+          </ac:spMkLst>
+        </pc:spChg>
+        <pc:spChg chg="add del">
+          <ac:chgData name="Damian Kurpiewski" userId="a6c40eeacb61fb23" providerId="LiveId" clId="{853CBB9A-8A65-4AAF-9EDB-6FDAD1C8D48E}" dt="2021-02-21T18:30:38.938" v="7" actId="26606"/>
+          <ac:spMkLst>
+            <pc:docMk/>
+            <pc:sldMk cId="3942144561" sldId="257"/>
+            <ac:spMk id="31" creationId="{3E4CBDBB-4FBD-4B9E-BD01-054A81D431CC}"/>
+          </ac:spMkLst>
+        </pc:spChg>
+        <pc:spChg chg="add del">
+          <ac:chgData name="Damian Kurpiewski" userId="a6c40eeacb61fb23" providerId="LiveId" clId="{853CBB9A-8A65-4AAF-9EDB-6FDAD1C8D48E}" dt="2021-02-21T18:30:38.938" v="7" actId="26606"/>
+          <ac:spMkLst>
+            <pc:docMk/>
+            <pc:sldMk cId="3942144561" sldId="257"/>
+            <ac:spMk id="32" creationId="{72C4834C-B602-4125-8264-BD0D55A5885F}"/>
+          </ac:spMkLst>
+        </pc:spChg>
+        <pc:spChg chg="add del">
+          <ac:chgData name="Damian Kurpiewski" userId="a6c40eeacb61fb23" providerId="LiveId" clId="{853CBB9A-8A65-4AAF-9EDB-6FDAD1C8D48E}" dt="2021-02-21T18:30:40.300" v="9" actId="26606"/>
+          <ac:spMkLst>
+            <pc:docMk/>
+            <pc:sldMk cId="3942144561" sldId="257"/>
+            <ac:spMk id="34" creationId="{1BB867FF-FC45-48F7-8104-F89BE54909F1}"/>
+          </ac:spMkLst>
+        </pc:spChg>
+        <pc:spChg chg="add del">
+          <ac:chgData name="Damian Kurpiewski" userId="a6c40eeacb61fb23" providerId="LiveId" clId="{853CBB9A-8A65-4AAF-9EDB-6FDAD1C8D48E}" dt="2021-02-21T18:30:40.300" v="9" actId="26606"/>
+          <ac:spMkLst>
+            <pc:docMk/>
+            <pc:sldMk cId="3942144561" sldId="257"/>
+            <ac:spMk id="35" creationId="{8BB56887-D0D5-4F0C-9E19-7247EB83C8B7}"/>
+          </ac:spMkLst>
+        </pc:spChg>
+        <pc:spChg chg="add del">
+          <ac:chgData name="Damian Kurpiewski" userId="a6c40eeacb61fb23" providerId="LiveId" clId="{853CBB9A-8A65-4AAF-9EDB-6FDAD1C8D48E}" dt="2021-02-21T18:30:40.300" v="9" actId="26606"/>
+          <ac:spMkLst>
+            <pc:docMk/>
+            <pc:sldMk cId="3942144561" sldId="257"/>
+            <ac:spMk id="36" creationId="{081E4A58-353D-44AE-B2FC-2A74E2E400F7}"/>
+          </ac:spMkLst>
+        </pc:spChg>
+        <pc:spChg chg="add del">
+          <ac:chgData name="Damian Kurpiewski" userId="a6c40eeacb61fb23" providerId="LiveId" clId="{853CBB9A-8A65-4AAF-9EDB-6FDAD1C8D48E}" dt="2021-02-21T18:30:40.951" v="11" actId="26606"/>
+          <ac:spMkLst>
+            <pc:docMk/>
+            <pc:sldMk cId="3942144561" sldId="257"/>
+            <ac:spMk id="38" creationId="{907EF6B7-1338-4443-8C46-6A318D952DFD}"/>
+          </ac:spMkLst>
+        </pc:spChg>
+        <pc:spChg chg="add del">
+          <ac:chgData name="Damian Kurpiewski" userId="a6c40eeacb61fb23" providerId="LiveId" clId="{853CBB9A-8A65-4AAF-9EDB-6FDAD1C8D48E}" dt="2021-02-21T18:30:40.951" v="11" actId="26606"/>
+          <ac:spMkLst>
+            <pc:docMk/>
+            <pc:sldMk cId="3942144561" sldId="257"/>
+            <ac:spMk id="39" creationId="{DAAE4CDD-124C-4DCF-9584-B6033B545DD5}"/>
+          </ac:spMkLst>
+        </pc:spChg>
+        <pc:spChg chg="add del">
+          <ac:chgData name="Damian Kurpiewski" userId="a6c40eeacb61fb23" providerId="LiveId" clId="{853CBB9A-8A65-4AAF-9EDB-6FDAD1C8D48E}" dt="2021-02-21T18:30:40.951" v="11" actId="26606"/>
+          <ac:spMkLst>
+            <pc:docMk/>
+            <pc:sldMk cId="3942144561" sldId="257"/>
+            <ac:spMk id="40" creationId="{081E4A58-353D-44AE-B2FC-2A74E2E400F7}"/>
+          </ac:spMkLst>
+        </pc:spChg>
+        <pc:spChg chg="add del">
+          <ac:chgData name="Damian Kurpiewski" userId="a6c40eeacb61fb23" providerId="LiveId" clId="{853CBB9A-8A65-4AAF-9EDB-6FDAD1C8D48E}" dt="2021-02-21T18:31:03.012" v="21" actId="26606"/>
+          <ac:spMkLst>
+            <pc:docMk/>
+            <pc:sldMk cId="3942144561" sldId="257"/>
+            <ac:spMk id="42" creationId="{F837543A-6020-4505-A233-C9DB4BF74011}"/>
+          </ac:spMkLst>
+        </pc:spChg>
+        <pc:spChg chg="add del">
+          <ac:chgData name="Damian Kurpiewski" userId="a6c40eeacb61fb23" providerId="LiveId" clId="{853CBB9A-8A65-4AAF-9EDB-6FDAD1C8D48E}" dt="2021-02-21T18:31:03.012" v="21" actId="26606"/>
+          <ac:spMkLst>
+            <pc:docMk/>
+            <pc:sldMk cId="3942144561" sldId="257"/>
+            <ac:spMk id="43" creationId="{35B16301-FB18-48BA-A6DD-C37CAF6F9A18}"/>
+          </ac:spMkLst>
+        </pc:spChg>
+        <pc:spChg chg="add del">
+          <ac:chgData name="Damian Kurpiewski" userId="a6c40eeacb61fb23" providerId="LiveId" clId="{853CBB9A-8A65-4AAF-9EDB-6FDAD1C8D48E}" dt="2021-02-21T18:31:03.012" v="21" actId="26606"/>
+          <ac:spMkLst>
+            <pc:docMk/>
+            <pc:sldMk cId="3942144561" sldId="257"/>
+            <ac:spMk id="44" creationId="{C3C0D90E-074A-4F52-9B11-B52BEF4BCBE5}"/>
+          </ac:spMkLst>
+        </pc:spChg>
+        <pc:spChg chg="add del">
+          <ac:chgData name="Damian Kurpiewski" userId="a6c40eeacb61fb23" providerId="LiveId" clId="{853CBB9A-8A65-4AAF-9EDB-6FDAD1C8D48E}" dt="2021-02-21T18:31:03.012" v="21" actId="26606"/>
+          <ac:spMkLst>
+            <pc:docMk/>
+            <pc:sldMk cId="3942144561" sldId="257"/>
+            <ac:spMk id="45" creationId="{CABBD4C1-E6F8-46F6-8152-A8A97490BF4D}"/>
+          </ac:spMkLst>
+        </pc:spChg>
+        <pc:spChg chg="add del">
+          <ac:chgData name="Damian Kurpiewski" userId="a6c40eeacb61fb23" providerId="LiveId" clId="{853CBB9A-8A65-4AAF-9EDB-6FDAD1C8D48E}" dt="2021-02-21T18:31:03.012" v="21" actId="26606"/>
+          <ac:spMkLst>
+            <pc:docMk/>
+            <pc:sldMk cId="3942144561" sldId="257"/>
+            <ac:spMk id="46" creationId="{83BA5EF5-1FE9-4BF9-83BB-269BCDDF6156}"/>
+          </ac:spMkLst>
+        </pc:spChg>
+        <pc:spChg chg="add del">
+          <ac:chgData name="Damian Kurpiewski" userId="a6c40eeacb61fb23" providerId="LiveId" clId="{853CBB9A-8A65-4AAF-9EDB-6FDAD1C8D48E}" dt="2021-02-21T18:31:03.012" v="21" actId="26606"/>
+          <ac:spMkLst>
+            <pc:docMk/>
+            <pc:sldMk cId="3942144561" sldId="257"/>
+            <ac:spMk id="47" creationId="{3AB72E55-43E4-4356-BFE8-E2102CB0B505}"/>
+          </ac:spMkLst>
+        </pc:spChg>
+        <pc:spChg chg="add del">
+          <ac:chgData name="Damian Kurpiewski" userId="a6c40eeacb61fb23" providerId="LiveId" clId="{853CBB9A-8A65-4AAF-9EDB-6FDAD1C8D48E}" dt="2021-02-21T18:30:49.704" v="14" actId="26606"/>
+          <ac:spMkLst>
+            <pc:docMk/>
+            <pc:sldMk cId="3942144561" sldId="257"/>
+            <ac:spMk id="52" creationId="{5C8908E2-EE49-44D2-9428-A28D2312A8D5}"/>
+          </ac:spMkLst>
+        </pc:spChg>
+        <pc:spChg chg="add del">
+          <ac:chgData name="Damian Kurpiewski" userId="a6c40eeacb61fb23" providerId="LiveId" clId="{853CBB9A-8A65-4AAF-9EDB-6FDAD1C8D48E}" dt="2021-02-21T18:32:39.194" v="43" actId="26606"/>
+          <ac:spMkLst>
+            <pc:docMk/>
+            <pc:sldMk cId="3942144561" sldId="257"/>
+            <ac:spMk id="56" creationId="{BC4C4868-CB8F-4AF9-9CDB-8108F2C19B67}"/>
+          </ac:spMkLst>
+        </pc:spChg>
+        <pc:spChg chg="add del">
+          <ac:chgData name="Damian Kurpiewski" userId="a6c40eeacb61fb23" providerId="LiveId" clId="{853CBB9A-8A65-4AAF-9EDB-6FDAD1C8D48E}" dt="2021-02-21T18:30:49.704" v="14" actId="26606"/>
+          <ac:spMkLst>
+            <pc:docMk/>
+            <pc:sldMk cId="3942144561" sldId="257"/>
+            <ac:spMk id="58" creationId="{D06891CE-5B9C-4B9E-AA78-3A5E25434F86}"/>
+          </ac:spMkLst>
+        </pc:spChg>
+        <pc:spChg chg="add del">
+          <ac:chgData name="Damian Kurpiewski" userId="a6c40eeacb61fb23" providerId="LiveId" clId="{853CBB9A-8A65-4AAF-9EDB-6FDAD1C8D48E}" dt="2021-02-21T18:30:49.704" v="14" actId="26606"/>
+          <ac:spMkLst>
+            <pc:docMk/>
+            <pc:sldMk cId="3942144561" sldId="257"/>
+            <ac:spMk id="60" creationId="{ED888B23-07FA-482A-96DF-47E31AF1A603}"/>
+          </ac:spMkLst>
+        </pc:spChg>
+        <pc:spChg chg="add del">
+          <ac:chgData name="Damian Kurpiewski" userId="a6c40eeacb61fb23" providerId="LiveId" clId="{853CBB9A-8A65-4AAF-9EDB-6FDAD1C8D48E}" dt="2021-02-21T18:30:55.711" v="16" actId="26606"/>
+          <ac:spMkLst>
+            <pc:docMk/>
+            <pc:sldMk cId="3942144561" sldId="257"/>
+            <ac:spMk id="62" creationId="{38FAA1A1-D861-433F-88FA-1E9D6FD31D11}"/>
+          </ac:spMkLst>
+        </pc:spChg>
+        <pc:spChg chg="add del">
+          <ac:chgData name="Damian Kurpiewski" userId="a6c40eeacb61fb23" providerId="LiveId" clId="{853CBB9A-8A65-4AAF-9EDB-6FDAD1C8D48E}" dt="2021-02-21T18:30:55.711" v="16" actId="26606"/>
+          <ac:spMkLst>
+            <pc:docMk/>
+            <pc:sldMk cId="3942144561" sldId="257"/>
+            <ac:spMk id="63" creationId="{09588DA8-065E-4F6F-8EFD-43104AB2E0CF}"/>
+          </ac:spMkLst>
+        </pc:spChg>
+        <pc:spChg chg="add del">
+          <ac:chgData name="Damian Kurpiewski" userId="a6c40eeacb61fb23" providerId="LiveId" clId="{853CBB9A-8A65-4AAF-9EDB-6FDAD1C8D48E}" dt="2021-02-21T18:30:55.711" v="16" actId="26606"/>
+          <ac:spMkLst>
+            <pc:docMk/>
+            <pc:sldMk cId="3942144561" sldId="257"/>
+            <ac:spMk id="64" creationId="{8D71EDA1-87BF-4D5D-AB79-F346FD19278A}"/>
+          </ac:spMkLst>
+        </pc:spChg>
+        <pc:spChg chg="add del">
+          <ac:chgData name="Damian Kurpiewski" userId="a6c40eeacb61fb23" providerId="LiveId" clId="{853CBB9A-8A65-4AAF-9EDB-6FDAD1C8D48E}" dt="2021-02-21T18:30:55.711" v="16" actId="26606"/>
+          <ac:spMkLst>
+            <pc:docMk/>
+            <pc:sldMk cId="3942144561" sldId="257"/>
+            <ac:spMk id="65" creationId="{C4285719-470E-454C-AF62-8323075F1F5B}"/>
+          </ac:spMkLst>
+        </pc:spChg>
+        <pc:spChg chg="add del">
+          <ac:chgData name="Damian Kurpiewski" userId="a6c40eeacb61fb23" providerId="LiveId" clId="{853CBB9A-8A65-4AAF-9EDB-6FDAD1C8D48E}" dt="2021-02-21T18:30:55.711" v="16" actId="26606"/>
+          <ac:spMkLst>
+            <pc:docMk/>
+            <pc:sldMk cId="3942144561" sldId="257"/>
+            <ac:spMk id="66" creationId="{CD9FE4EF-C4D8-49A0-B2FF-81D8DB7D8A24}"/>
+          </ac:spMkLst>
+        </pc:spChg>
+        <pc:spChg chg="add del">
+          <ac:chgData name="Damian Kurpiewski" userId="a6c40eeacb61fb23" providerId="LiveId" clId="{853CBB9A-8A65-4AAF-9EDB-6FDAD1C8D48E}" dt="2021-02-21T18:30:55.711" v="16" actId="26606"/>
+          <ac:spMkLst>
+            <pc:docMk/>
+            <pc:sldMk cId="3942144561" sldId="257"/>
+            <ac:spMk id="67" creationId="{4300840D-0A0B-4512-BACA-B439D5B9C57C}"/>
+          </ac:spMkLst>
+        </pc:spChg>
+        <pc:spChg chg="add del">
+          <ac:chgData name="Damian Kurpiewski" userId="a6c40eeacb61fb23" providerId="LiveId" clId="{853CBB9A-8A65-4AAF-9EDB-6FDAD1C8D48E}" dt="2021-02-21T18:30:55.711" v="16" actId="26606"/>
+          <ac:spMkLst>
+            <pc:docMk/>
+            <pc:sldMk cId="3942144561" sldId="257"/>
+            <ac:spMk id="68" creationId="{D2B78728-A580-49A7-84F9-6EF6F583ADE0}"/>
+          </ac:spMkLst>
+        </pc:spChg>
+        <pc:spChg chg="add del">
+          <ac:chgData name="Damian Kurpiewski" userId="a6c40eeacb61fb23" providerId="LiveId" clId="{853CBB9A-8A65-4AAF-9EDB-6FDAD1C8D48E}" dt="2021-02-21T18:30:57.629" v="18" actId="26606"/>
+          <ac:spMkLst>
+            <pc:docMk/>
+            <pc:sldMk cId="3942144561" sldId="257"/>
+            <ac:spMk id="70" creationId="{6A1473A6-3F22-483E-8A30-80B9D2B14592}"/>
+          </ac:spMkLst>
+        </pc:spChg>
+        <pc:spChg chg="add del">
+          <ac:chgData name="Damian Kurpiewski" userId="a6c40eeacb61fb23" providerId="LiveId" clId="{853CBB9A-8A65-4AAF-9EDB-6FDAD1C8D48E}" dt="2021-02-21T18:31:03.003" v="20" actId="26606"/>
+          <ac:spMkLst>
+            <pc:docMk/>
+            <pc:sldMk cId="3942144561" sldId="257"/>
+            <ac:spMk id="73" creationId="{A2679492-7988-4050-9056-542444452411}"/>
+          </ac:spMkLst>
+        </pc:spChg>
+        <pc:spChg chg="add del">
+          <ac:chgData name="Damian Kurpiewski" userId="a6c40eeacb61fb23" providerId="LiveId" clId="{853CBB9A-8A65-4AAF-9EDB-6FDAD1C8D48E}" dt="2021-02-21T18:31:03.003" v="20" actId="26606"/>
+          <ac:spMkLst>
+            <pc:docMk/>
+            <pc:sldMk cId="3942144561" sldId="257"/>
+            <ac:spMk id="74" creationId="{B091B163-7D61-4891-ABCF-5C13D9C418D0}"/>
+          </ac:spMkLst>
+        </pc:spChg>
+        <pc:spChg chg="add del">
+          <ac:chgData name="Damian Kurpiewski" userId="a6c40eeacb61fb23" providerId="LiveId" clId="{853CBB9A-8A65-4AAF-9EDB-6FDAD1C8D48E}" dt="2021-02-21T18:32:39.194" v="43" actId="26606"/>
+          <ac:spMkLst>
+            <pc:docMk/>
+            <pc:sldMk cId="3942144561" sldId="257"/>
+            <ac:spMk id="79" creationId="{1B15ED52-F352-441B-82BF-E0EA34836D08}"/>
+          </ac:spMkLst>
+        </pc:spChg>
+        <pc:spChg chg="add del">
+          <ac:chgData name="Damian Kurpiewski" userId="a6c40eeacb61fb23" providerId="LiveId" clId="{853CBB9A-8A65-4AAF-9EDB-6FDAD1C8D48E}" dt="2021-02-21T18:32:39.194" v="43" actId="26606"/>
+          <ac:spMkLst>
+            <pc:docMk/>
+            <pc:sldMk cId="3942144561" sldId="257"/>
+            <ac:spMk id="80" creationId="{3B2E3793-BFE6-45A2-9B7B-E18844431C99}"/>
+          </ac:spMkLst>
+        </pc:spChg>
+        <pc:spChg chg="add del">
+          <ac:chgData name="Damian Kurpiewski" userId="a6c40eeacb61fb23" providerId="LiveId" clId="{853CBB9A-8A65-4AAF-9EDB-6FDAD1C8D48E}" dt="2021-02-21T18:32:39.194" v="43" actId="26606"/>
+          <ac:spMkLst>
+            <pc:docMk/>
+            <pc:sldMk cId="3942144561" sldId="257"/>
+            <ac:spMk id="81" creationId="{375E0459-6403-40CD-989D-56A4407CA12E}"/>
+          </ac:spMkLst>
+        </pc:spChg>
+        <pc:spChg chg="add del">
+          <ac:chgData name="Damian Kurpiewski" userId="a6c40eeacb61fb23" providerId="LiveId" clId="{853CBB9A-8A65-4AAF-9EDB-6FDAD1C8D48E}" dt="2021-02-21T18:32:39.194" v="43" actId="26606"/>
+          <ac:spMkLst>
+            <pc:docMk/>
+            <pc:sldMk cId="3942144561" sldId="257"/>
+            <ac:spMk id="82" creationId="{53E5B1A8-3AC9-4BD1-9BBC-78CA94F2D1BA}"/>
+          </ac:spMkLst>
+        </pc:spChg>
+        <pc:spChg chg="add">
+          <ac:chgData name="Damian Kurpiewski" userId="a6c40eeacb61fb23" providerId="LiveId" clId="{853CBB9A-8A65-4AAF-9EDB-6FDAD1C8D48E}" dt="2021-02-21T18:32:39.194" v="43" actId="26606"/>
+          <ac:spMkLst>
+            <pc:docMk/>
+            <pc:sldMk cId="3942144561" sldId="257"/>
+            <ac:spMk id="84" creationId="{DE7FFD28-545C-4C88-A2E7-152FB234C92C}"/>
+          </ac:spMkLst>
+        </pc:spChg>
+        <pc:spChg chg="add del">
+          <ac:chgData name="Damian Kurpiewski" userId="a6c40eeacb61fb23" providerId="LiveId" clId="{853CBB9A-8A65-4AAF-9EDB-6FDAD1C8D48E}" dt="2021-02-21T18:32:36.673" v="42" actId="26606"/>
+          <ac:spMkLst>
+            <pc:docMk/>
+            <pc:sldMk cId="3942144561" sldId="257"/>
+            <ac:spMk id="87" creationId="{DE7FFD28-545C-4C88-A2E7-152FB234C92C}"/>
+          </ac:spMkLst>
+        </pc:spChg>
+        <pc:grpChg chg="add del">
+          <ac:chgData name="Damian Kurpiewski" userId="a6c40eeacb61fb23" providerId="LiveId" clId="{853CBB9A-8A65-4AAF-9EDB-6FDAD1C8D48E}" dt="2021-02-21T18:30:35.878" v="3" actId="26606"/>
+          <ac:grpSpMkLst>
+            <pc:docMk/>
+            <pc:sldMk cId="3942144561" sldId="257"/>
+            <ac:grpSpMk id="10" creationId="{3407C00E-E6E2-4994-8DA5-71DB9045B93A}"/>
+          </ac:grpSpMkLst>
+        </pc:grpChg>
+        <pc:grpChg chg="add del">
+          <ac:chgData name="Damian Kurpiewski" userId="a6c40eeacb61fb23" providerId="LiveId" clId="{853CBB9A-8A65-4AAF-9EDB-6FDAD1C8D48E}" dt="2021-02-21T18:30:35.878" v="3" actId="26606"/>
+          <ac:grpSpMkLst>
+            <pc:docMk/>
+            <pc:sldMk cId="3942144561" sldId="257"/>
+            <ac:grpSpMk id="14" creationId="{43F5E015-E085-4624-B431-B42414448684}"/>
+          </ac:grpSpMkLst>
+        </pc:grpChg>
+        <pc:grpChg chg="add del">
+          <ac:chgData name="Damian Kurpiewski" userId="a6c40eeacb61fb23" providerId="LiveId" clId="{853CBB9A-8A65-4AAF-9EDB-6FDAD1C8D48E}" dt="2021-02-21T18:30:49.704" v="14" actId="26606"/>
+          <ac:grpSpMkLst>
+            <pc:docMk/>
+            <pc:sldMk cId="3942144561" sldId="257"/>
+            <ac:grpSpMk id="54" creationId="{A23D792D-D9F2-4EB4-ADE2-65A518DA6489}"/>
+          </ac:grpSpMkLst>
+        </pc:grpChg>
+        <pc:grpChg chg="add del">
+          <ac:chgData name="Damian Kurpiewski" userId="a6c40eeacb61fb23" providerId="LiveId" clId="{853CBB9A-8A65-4AAF-9EDB-6FDAD1C8D48E}" dt="2021-02-21T18:30:57.629" v="18" actId="26606"/>
+          <ac:grpSpMkLst>
+            <pc:docMk/>
+            <pc:sldMk cId="3942144561" sldId="257"/>
+            <ac:grpSpMk id="71" creationId="{AA1375E3-3E53-4D75-BAB7-E5929BFCB25F}"/>
+          </ac:grpSpMkLst>
+        </pc:grpChg>
+        <pc:grpChg chg="add del">
+          <ac:chgData name="Damian Kurpiewski" userId="a6c40eeacb61fb23" providerId="LiveId" clId="{853CBB9A-8A65-4AAF-9EDB-6FDAD1C8D48E}" dt="2021-02-21T18:31:03.003" v="20" actId="26606"/>
+          <ac:grpSpMkLst>
+            <pc:docMk/>
+            <pc:sldMk cId="3942144561" sldId="257"/>
+            <ac:grpSpMk id="75" creationId="{0474DF76-993E-44DE-AFB0-C416182ACECF}"/>
+          </ac:grpSpMkLst>
+        </pc:grpChg>
+        <pc:picChg chg="add del">
+          <ac:chgData name="Damian Kurpiewski" userId="a6c40eeacb61fb23" providerId="LiveId" clId="{853CBB9A-8A65-4AAF-9EDB-6FDAD1C8D48E}" dt="2021-02-21T18:30:38.938" v="7" actId="26606"/>
+          <ac:picMkLst>
+            <pc:docMk/>
+            <pc:sldMk cId="3942144561" sldId="257"/>
+            <ac:picMk id="12" creationId="{B01A6F03-171F-40B2-8B2C-A061B89241F6}"/>
+          </ac:picMkLst>
+        </pc:picChg>
+        <pc:cxnChg chg="add del">
+          <ac:chgData name="Damian Kurpiewski" userId="a6c40eeacb61fb23" providerId="LiveId" clId="{853CBB9A-8A65-4AAF-9EDB-6FDAD1C8D48E}" dt="2021-02-21T18:31:03.012" v="21" actId="26606"/>
+          <ac:cxnSpMkLst>
+            <pc:docMk/>
+            <pc:sldMk cId="3942144561" sldId="257"/>
+            <ac:cxnSpMk id="18" creationId="{4B3BCACB-5880-460B-9606-8C433A9AF99D}"/>
+          </ac:cxnSpMkLst>
+        </pc:cxnChg>
+        <pc:cxnChg chg="add del">
+          <ac:chgData name="Damian Kurpiewski" userId="a6c40eeacb61fb23" providerId="LiveId" clId="{853CBB9A-8A65-4AAF-9EDB-6FDAD1C8D48E}" dt="2021-02-21T18:30:37.480" v="5" actId="26606"/>
+          <ac:cxnSpMkLst>
+            <pc:docMk/>
+            <pc:sldMk cId="3942144561" sldId="257"/>
+            <ac:cxnSpMk id="28" creationId="{C49DA8F6-BCC1-4447-B54C-57856834B94B}"/>
+          </ac:cxnSpMkLst>
+        </pc:cxnChg>
+        <pc:cxnChg chg="add del">
+          <ac:chgData name="Damian Kurpiewski" userId="a6c40eeacb61fb23" providerId="LiveId" clId="{853CBB9A-8A65-4AAF-9EDB-6FDAD1C8D48E}" dt="2021-02-21T18:31:03.003" v="20" actId="26606"/>
+          <ac:cxnSpMkLst>
+            <pc:docMk/>
+            <pc:sldMk cId="3942144561" sldId="257"/>
+            <ac:cxnSpMk id="61" creationId="{C49DA8F6-BCC1-4447-B54C-57856834B94B}"/>
+          </ac:cxnSpMkLst>
+        </pc:cxnChg>
+      </pc:sldChg>
+    </pc:docChg>
+  </pc:docChgLst>
+</pc:chgInfo>
+</file>
+
 <file path=ppt/slideLayouts/slideLayout1.xml><?xml version="1.0" encoding="utf-8"?>
 <p:sldLayout xmlns:a="http://schemas.openxmlformats.org/drawingml/2006/main" xmlns:r="http://schemas.openxmlformats.org/officeDocument/2006/relationships" xmlns:p="http://schemas.openxmlformats.org/presentationml/2006/main" type="title" preserve="1">
   <p:cSld name="Slajd tytułowy">
@@ -272,7 +772,7 @@
             <a:fld id="{48C97C24-B5A0-4EEB-AF04-DC997EDCD259}" type="datetimeFigureOut">
               <a:rPr lang="pl-PL" smtClean="0"/>
               <a:pPr/>
-              <a:t>19.03.2018</a:t>
+              <a:t>21.02.2021</a:t>
             </a:fld>
             <a:endParaRPr lang="pl-PL"/>
           </a:p>
@@ -472,7 +972,7 @@
             <a:fld id="{48C97C24-B5A0-4EEB-AF04-DC997EDCD259}" type="datetimeFigureOut">
               <a:rPr lang="pl-PL" smtClean="0"/>
               <a:pPr/>
-              <a:t>19.03.2018</a:t>
+              <a:t>21.02.2021</a:t>
             </a:fld>
             <a:endParaRPr lang="pl-PL"/>
           </a:p>
@@ -682,7 +1182,7 @@
             <a:fld id="{48C97C24-B5A0-4EEB-AF04-DC997EDCD259}" type="datetimeFigureOut">
               <a:rPr lang="pl-PL" smtClean="0"/>
               <a:pPr/>
-              <a:t>19.03.2018</a:t>
+              <a:t>21.02.2021</a:t>
             </a:fld>
             <a:endParaRPr lang="pl-PL"/>
           </a:p>
@@ -882,7 +1382,7 @@
             <a:fld id="{48C97C24-B5A0-4EEB-AF04-DC997EDCD259}" type="datetimeFigureOut">
               <a:rPr lang="pl-PL" smtClean="0"/>
               <a:pPr/>
-              <a:t>19.03.2018</a:t>
+              <a:t>21.02.2021</a:t>
             </a:fld>
             <a:endParaRPr lang="pl-PL"/>
           </a:p>
@@ -1159,7 +1659,7 @@
             <a:fld id="{48C97C24-B5A0-4EEB-AF04-DC997EDCD259}" type="datetimeFigureOut">
               <a:rPr lang="pl-PL" smtClean="0"/>
               <a:pPr/>
-              <a:t>19.03.2018</a:t>
+              <a:t>21.02.2021</a:t>
             </a:fld>
             <a:endParaRPr lang="pl-PL"/>
           </a:p>
@@ -1426,7 +1926,7 @@
             <a:fld id="{48C97C24-B5A0-4EEB-AF04-DC997EDCD259}" type="datetimeFigureOut">
               <a:rPr lang="pl-PL" smtClean="0"/>
               <a:pPr/>
-              <a:t>19.03.2018</a:t>
+              <a:t>21.02.2021</a:t>
             </a:fld>
             <a:endParaRPr lang="pl-PL"/>
           </a:p>
@@ -1840,7 +2340,7 @@
             <a:fld id="{48C97C24-B5A0-4EEB-AF04-DC997EDCD259}" type="datetimeFigureOut">
               <a:rPr lang="pl-PL" smtClean="0"/>
               <a:pPr/>
-              <a:t>19.03.2018</a:t>
+              <a:t>21.02.2021</a:t>
             </a:fld>
             <a:endParaRPr lang="pl-PL"/>
           </a:p>
@@ -1983,7 +2483,7 @@
             <a:fld id="{48C97C24-B5A0-4EEB-AF04-DC997EDCD259}" type="datetimeFigureOut">
               <a:rPr lang="pl-PL" smtClean="0"/>
               <a:pPr/>
-              <a:t>19.03.2018</a:t>
+              <a:t>21.02.2021</a:t>
             </a:fld>
             <a:endParaRPr lang="pl-PL"/>
           </a:p>
@@ -2098,7 +2598,7 @@
             <a:fld id="{48C97C24-B5A0-4EEB-AF04-DC997EDCD259}" type="datetimeFigureOut">
               <a:rPr lang="pl-PL" smtClean="0"/>
               <a:pPr/>
-              <a:t>19.03.2018</a:t>
+              <a:t>21.02.2021</a:t>
             </a:fld>
             <a:endParaRPr lang="pl-PL"/>
           </a:p>
@@ -2411,7 +2911,7 @@
             <a:fld id="{48C97C24-B5A0-4EEB-AF04-DC997EDCD259}" type="datetimeFigureOut">
               <a:rPr lang="pl-PL" smtClean="0"/>
               <a:pPr/>
-              <a:t>19.03.2018</a:t>
+              <a:t>21.02.2021</a:t>
             </a:fld>
             <a:endParaRPr lang="pl-PL"/>
           </a:p>
@@ -2701,7 +3201,7 @@
             <a:fld id="{48C97C24-B5A0-4EEB-AF04-DC997EDCD259}" type="datetimeFigureOut">
               <a:rPr lang="pl-PL" smtClean="0"/>
               <a:pPr/>
-              <a:t>19.03.2018</a:t>
+              <a:t>21.02.2021</a:t>
             </a:fld>
             <a:endParaRPr lang="pl-PL"/>
           </a:p>
@@ -2944,7 +3444,7 @@
             <a:fld id="{48C97C24-B5A0-4EEB-AF04-DC997EDCD259}" type="datetimeFigureOut">
               <a:rPr lang="pl-PL" smtClean="0"/>
               <a:pPr/>
-              <a:t>19.03.2018</a:t>
+              <a:t>21.02.2021</a:t>
             </a:fld>
             <a:endParaRPr lang="pl-PL"/>
           </a:p>
@@ -3348,6 +3848,14 @@
 <file path=ppt/slides/slide1.xml><?xml version="1.0" encoding="utf-8"?>
 <p:sld xmlns:a="http://schemas.openxmlformats.org/drawingml/2006/main" xmlns:r="http://schemas.openxmlformats.org/officeDocument/2006/relationships" xmlns:p="http://schemas.openxmlformats.org/presentationml/2006/main">
   <p:cSld>
+    <p:bg>
+      <p:bgPr>
+        <a:solidFill>
+          <a:srgbClr val="000000"/>
+        </a:solidFill>
+        <a:effectLst/>
+      </p:bgPr>
+    </p:bg>
     <p:spTree>
       <p:nvGrpSpPr>
         <p:cNvPr id="1" name=""/>
@@ -3364,6 +3872,100 @@
       </p:grpSpPr>
       <p:sp>
         <p:nvSpPr>
+          <p:cNvPr id="9" name="Rectangle 8">
+            <a:extLst>
+              <a:ext uri="{FF2B5EF4-FFF2-40B4-BE49-F238E27FC236}">
+                <a16:creationId xmlns:a16="http://schemas.microsoft.com/office/drawing/2014/main" id="{71B2258F-86CA-4D4D-8270-BC05FCDEBFB3}"/>
+              </a:ext>
+              <a:ext uri="{C183D7F6-B498-43B3-948B-1728B52AA6E4}">
+                <adec:decorative xmlns:adec="http://schemas.microsoft.com/office/drawing/2017/decorative" val="1"/>
+              </a:ext>
+            </a:extLst>
+          </p:cNvPr>
+          <p:cNvSpPr>
+            <a:spLocks noGrp="1" noRot="1" noChangeAspect="1" noMove="1" noResize="1" noEditPoints="1" noAdjustHandles="1" noChangeArrowheads="1" noChangeShapeType="1" noTextEdit="1"/>
+          </p:cNvSpPr>
+          <p:nvPr>
+            <p:extLst>
+              <p:ext uri="{386F3935-93C4-4BCD-93E2-E3B085C9AB24}">
+                <p16:designElem xmlns:p16="http://schemas.microsoft.com/office/powerpoint/2015/main" val="1"/>
+              </p:ext>
+            </p:extLst>
+          </p:nvPr>
+        </p:nvSpPr>
+        <p:spPr>
+          <a:xfrm>
+            <a:off x="0" y="0"/>
+            <a:ext cx="12192000" cy="6857999"/>
+          </a:xfrm>
+          <a:prstGeom prst="rect">
+            <a:avLst/>
+          </a:prstGeom>
+          <a:solidFill>
+            <a:srgbClr val="000000"/>
+          </a:solidFill>
+          <a:ln>
+            <a:noFill/>
+          </a:ln>
+        </p:spPr>
+        <p:style>
+          <a:lnRef idx="2">
+            <a:schemeClr val="accent1">
+              <a:shade val="50000"/>
+            </a:schemeClr>
+          </a:lnRef>
+          <a:fillRef idx="1">
+            <a:schemeClr val="accent1"/>
+          </a:fillRef>
+          <a:effectRef idx="0">
+            <a:schemeClr val="accent1"/>
+          </a:effectRef>
+          <a:fontRef idx="minor">
+            <a:schemeClr val="lt1"/>
+          </a:fontRef>
+        </p:style>
+        <p:txBody>
+          <a:bodyPr rtlCol="0" anchor="ctr"/>
+          <a:lstStyle/>
+          <a:p>
+            <a:pPr algn="ctr"/>
+            <a:endParaRPr lang="en-US"/>
+          </a:p>
+        </p:txBody>
+      </p:sp>
+      <p:pic>
+        <p:nvPicPr>
+          <p:cNvPr id="5" name="Picture 4" descr="Jedyny w tłumie">
+            <a:extLst>
+              <a:ext uri="{FF2B5EF4-FFF2-40B4-BE49-F238E27FC236}">
+                <a16:creationId xmlns:a16="http://schemas.microsoft.com/office/drawing/2014/main" id="{794FAFB1-A1D8-40E9-809F-47875CBAD9F1}"/>
+              </a:ext>
+            </a:extLst>
+          </p:cNvPr>
+          <p:cNvPicPr>
+            <a:picLocks noChangeAspect="1"/>
+          </p:cNvPicPr>
+          <p:nvPr/>
+        </p:nvPicPr>
+        <p:blipFill rotWithShape="1">
+          <a:blip r:embed="rId2">
+            <a:alphaModFix amt="50000"/>
+          </a:blip>
+          <a:srcRect t="7734" b="17266"/>
+          <a:stretch/>
+        </p:blipFill>
+        <p:spPr>
+          <a:xfrm>
+            <a:off x="20" y="1"/>
+            <a:ext cx="12191980" cy="6857999"/>
+          </a:xfrm>
+          <a:prstGeom prst="rect">
+            <a:avLst/>
+          </a:prstGeom>
+        </p:spPr>
+      </p:pic>
+      <p:sp>
+        <p:nvSpPr>
           <p:cNvPr id="2" name="Tytuł 1">
             <a:extLst>
               <a:ext uri="{FF2B5EF4-FFF2-40B4-BE49-F238E27FC236}">
@@ -3378,13 +3980,24 @@
             <p:ph type="ctrTitle"/>
           </p:nvPr>
         </p:nvSpPr>
-        <p:spPr/>
-        <p:txBody>
-          <a:bodyPr/>
-          <a:lstStyle/>
-          <a:p>
-            <a:r>
-              <a:rPr lang="pl-PL" dirty="0"/>
+        <p:spPr>
+          <a:xfrm>
+            <a:off x="1524000" y="1122362"/>
+            <a:ext cx="9144000" cy="2900518"/>
+          </a:xfrm>
+        </p:spPr>
+        <p:txBody>
+          <a:bodyPr>
+            <a:normAutofit/>
+          </a:bodyPr>
+          <a:lstStyle/>
+          <a:p>
+            <a:r>
+              <a:rPr lang="pl-PL">
+                <a:solidFill>
+                  <a:srgbClr val="FFFFFF"/>
+                </a:solidFill>
+              </a:rPr>
               <a:t>Ćwiczenie w grupach</a:t>
             </a:r>
           </a:p>
@@ -3406,12 +4019,26 @@
             <p:ph type="subTitle" idx="1"/>
           </p:nvPr>
         </p:nvSpPr>
-        <p:spPr/>
-        <p:txBody>
-          <a:bodyPr/>
-          <a:lstStyle/>
-          <a:p>
-            <a:endParaRPr lang="pl-PL" dirty="0"/>
+        <p:spPr>
+          <a:xfrm>
+            <a:off x="1524000" y="4159404"/>
+            <a:ext cx="9144000" cy="1098395"/>
+          </a:xfrm>
+        </p:spPr>
+        <p:txBody>
+          <a:bodyPr>
+            <a:normAutofit/>
+          </a:bodyPr>
+          <a:lstStyle/>
+          <a:p>
+            <a:r>
+              <a:rPr lang="pl-PL">
+                <a:solidFill>
+                  <a:srgbClr val="FFFFFF"/>
+                </a:solidFill>
+              </a:rPr>
+              <a:t>Inżynieria wsteczna</a:t>
+            </a:r>
           </a:p>
         </p:txBody>
       </p:sp>
@@ -3423,14 +4050,114 @@
     </p:extLst>
   </p:cSld>
   <p:clrMapOvr>
-    <a:masterClrMapping/>
+    <a:overrideClrMapping bg1="dk1" tx1="lt1" bg2="dk2" tx2="lt2" accent1="accent1" accent2="accent2" accent3="accent3" accent4="accent4" accent5="accent5" accent6="accent6" hlink="hlink" folHlink="folHlink"/>
   </p:clrMapOvr>
+  <p:timing>
+    <p:tnLst>
+      <p:par>
+        <p:cTn id="1" dur="indefinite" restart="never" nodeType="tmRoot">
+          <p:childTnLst>
+            <p:seq concurrent="1" nextAc="seek">
+              <p:cTn id="2" dur="indefinite" nodeType="mainSeq">
+                <p:childTnLst>
+                  <p:par>
+                    <p:cTn id="3" fill="hold">
+                      <p:stCondLst>
+                        <p:cond delay="indefinite"/>
+                        <p:cond evt="onBegin" delay="0">
+                          <p:tn val="2"/>
+                        </p:cond>
+                      </p:stCondLst>
+                      <p:childTnLst>
+                        <p:par>
+                          <p:cTn id="4" fill="hold">
+                            <p:stCondLst>
+                              <p:cond delay="0"/>
+                            </p:stCondLst>
+                            <p:childTnLst>
+                              <p:par>
+                                <p:cTn id="5" presetID="10" presetClass="entr" presetSubtype="0" fill="hold" grpId="0" nodeType="withEffect">
+                                  <p:stCondLst>
+                                    <p:cond delay="1000"/>
+                                  </p:stCondLst>
+                                  <p:iterate type="lt">
+                                    <p:tmPct val="10000"/>
+                                  </p:iterate>
+                                  <p:childTnLst>
+                                    <p:set>
+                                      <p:cBhvr>
+                                        <p:cTn id="6" dur="1" fill="hold">
+                                          <p:stCondLst>
+                                            <p:cond delay="0"/>
+                                          </p:stCondLst>
+                                        </p:cTn>
+                                        <p:tgtEl>
+                                          <p:spTgt spid="2"/>
+                                        </p:tgtEl>
+                                        <p:attrNameLst>
+                                          <p:attrName>style.visibility</p:attrName>
+                                        </p:attrNameLst>
+                                      </p:cBhvr>
+                                      <p:to>
+                                        <p:strVal val="visible"/>
+                                      </p:to>
+                                    </p:set>
+                                    <p:animEffect transition="in" filter="fade">
+                                      <p:cBhvr>
+                                        <p:cTn id="7" dur="400"/>
+                                        <p:tgtEl>
+                                          <p:spTgt spid="2"/>
+                                        </p:tgtEl>
+                                      </p:cBhvr>
+                                    </p:animEffect>
+                                  </p:childTnLst>
+                                </p:cTn>
+                              </p:par>
+                            </p:childTnLst>
+                          </p:cTn>
+                        </p:par>
+                      </p:childTnLst>
+                    </p:cTn>
+                  </p:par>
+                </p:childTnLst>
+              </p:cTn>
+              <p:prevCondLst>
+                <p:cond evt="onPrev" delay="0">
+                  <p:tgtEl>
+                    <p:sldTgt/>
+                  </p:tgtEl>
+                </p:cond>
+              </p:prevCondLst>
+              <p:nextCondLst>
+                <p:cond evt="onNext" delay="0">
+                  <p:tgtEl>
+                    <p:sldTgt/>
+                  </p:tgtEl>
+                </p:cond>
+              </p:nextCondLst>
+            </p:seq>
+          </p:childTnLst>
+        </p:cTn>
+      </p:par>
+    </p:tnLst>
+    <p:bldLst>
+      <p:bldP spid="2" grpId="0"/>
+    </p:bldLst>
+  </p:timing>
 </p:sld>
 </file>
 
 <file path=ppt/slides/slide2.xml><?xml version="1.0" encoding="utf-8"?>
 <p:sld xmlns:a="http://schemas.openxmlformats.org/drawingml/2006/main" xmlns:r="http://schemas.openxmlformats.org/officeDocument/2006/relationships" xmlns:p="http://schemas.openxmlformats.org/presentationml/2006/main">
   <p:cSld>
+    <p:bg>
+      <p:bgPr>
+        <a:solidFill>
+          <a:schemeClr val="bg1"/>
+        </a:solidFill>
+        <a:effectLst/>
+      </p:bgPr>
+    </p:bg>
     <p:spTree>
       <p:nvGrpSpPr>
         <p:cNvPr id="1" name=""/>
@@ -3447,6 +4174,69 @@
       </p:grpSpPr>
       <p:sp>
         <p:nvSpPr>
+          <p:cNvPr id="84" name="Rectangle 86">
+            <a:extLst>
+              <a:ext uri="{FF2B5EF4-FFF2-40B4-BE49-F238E27FC236}">
+                <a16:creationId xmlns:a16="http://schemas.microsoft.com/office/drawing/2014/main" id="{DE7FFD28-545C-4C88-A2E7-152FB234C92C}"/>
+              </a:ext>
+              <a:ext uri="{C183D7F6-B498-43B3-948B-1728B52AA6E4}">
+                <adec:decorative xmlns:adec="http://schemas.microsoft.com/office/drawing/2017/decorative" val="1"/>
+              </a:ext>
+            </a:extLst>
+          </p:cNvPr>
+          <p:cNvSpPr>
+            <a:spLocks noGrp="1" noRot="1" noChangeAspect="1" noMove="1" noResize="1" noEditPoints="1" noAdjustHandles="1" noChangeArrowheads="1" noChangeShapeType="1" noTextEdit="1"/>
+          </p:cNvSpPr>
+          <p:nvPr>
+            <p:extLst>
+              <p:ext uri="{386F3935-93C4-4BCD-93E2-E3B085C9AB24}">
+                <p16:designElem xmlns:p16="http://schemas.microsoft.com/office/powerpoint/2015/main" val="1"/>
+              </p:ext>
+            </p:extLst>
+          </p:nvPr>
+        </p:nvSpPr>
+        <p:spPr>
+          <a:xfrm>
+            <a:off x="0" y="0"/>
+            <a:ext cx="12192000" cy="1911350"/>
+          </a:xfrm>
+          <a:prstGeom prst="rect">
+            <a:avLst/>
+          </a:prstGeom>
+          <a:solidFill>
+            <a:schemeClr val="accent5"/>
+          </a:solidFill>
+          <a:ln>
+            <a:noFill/>
+          </a:ln>
+        </p:spPr>
+        <p:style>
+          <a:lnRef idx="2">
+            <a:schemeClr val="accent1">
+              <a:shade val="50000"/>
+            </a:schemeClr>
+          </a:lnRef>
+          <a:fillRef idx="1">
+            <a:schemeClr val="accent1"/>
+          </a:fillRef>
+          <a:effectRef idx="0">
+            <a:schemeClr val="accent1"/>
+          </a:effectRef>
+          <a:fontRef idx="minor">
+            <a:schemeClr val="lt1"/>
+          </a:fontRef>
+        </p:style>
+        <p:txBody>
+          <a:bodyPr rtlCol="0" anchor="ctr"/>
+          <a:lstStyle/>
+          <a:p>
+            <a:pPr algn="ctr"/>
+            <a:endParaRPr lang="en-US"/>
+          </a:p>
+        </p:txBody>
+      </p:sp>
+      <p:sp>
+        <p:nvSpPr>
           <p:cNvPr id="2" name="Tytuł 1">
             <a:extLst>
               <a:ext uri="{FF2B5EF4-FFF2-40B4-BE49-F238E27FC236}">
@@ -3461,13 +4251,24 @@
             <p:ph type="title"/>
           </p:nvPr>
         </p:nvSpPr>
-        <p:spPr/>
-        <p:txBody>
-          <a:bodyPr/>
-          <a:lstStyle/>
-          <a:p>
-            <a:r>
-              <a:rPr lang="pl-PL" dirty="0"/>
+        <p:spPr>
+          <a:xfrm>
+            <a:off x="838200" y="365125"/>
+            <a:ext cx="10515600" cy="1325563"/>
+          </a:xfrm>
+        </p:spPr>
+        <p:txBody>
+          <a:bodyPr>
+            <a:normAutofit/>
+          </a:bodyPr>
+          <a:lstStyle/>
+          <a:p>
+            <a:r>
+              <a:rPr lang="pl-PL" sz="4600">
+                <a:solidFill>
+                  <a:srgbClr val="FFFFFF"/>
+                </a:solidFill>
+              </a:rPr>
               <a:t>Opis ćwiczenia</a:t>
             </a:r>
           </a:p>
@@ -3489,73 +4290,108 @@
             <p:ph idx="1"/>
           </p:nvPr>
         </p:nvSpPr>
-        <p:spPr/>
+        <p:spPr>
+          <a:xfrm>
+            <a:off x="264253" y="2114025"/>
+            <a:ext cx="11501307" cy="4618139"/>
+          </a:xfrm>
+        </p:spPr>
         <p:txBody>
           <a:bodyPr>
-            <a:normAutofit lnSpcReduction="10000"/>
+            <a:normAutofit/>
           </a:bodyPr>
           <a:lstStyle/>
           <a:p>
-            <a:r>
-              <a:rPr lang="pl-PL" dirty="0"/>
+            <a:pPr>
+              <a:lnSpc>
+                <a:spcPct val="100000"/>
+              </a:lnSpc>
+            </a:pPr>
+            <a:r>
+              <a:rPr lang="pl-PL" sz="2200" dirty="0"/>
               <a:t>Każda grupa dostaje kartkę z opisem działania funkcji</a:t>
             </a:r>
           </a:p>
           <a:p>
-            <a:r>
-              <a:rPr lang="pl-PL" dirty="0"/>
+            <a:pPr>
+              <a:lnSpc>
+                <a:spcPct val="100000"/>
+              </a:lnSpc>
+            </a:pPr>
+            <a:r>
+              <a:rPr lang="pl-PL" sz="2200" dirty="0"/>
               <a:t>Po kolei każda grupa będzie pełnić rolę podanej funkcji</a:t>
             </a:r>
           </a:p>
           <a:p>
-            <a:r>
-              <a:rPr lang="pl-PL" dirty="0"/>
+            <a:pPr>
+              <a:lnSpc>
+                <a:spcPct val="100000"/>
+              </a:lnSpc>
+            </a:pPr>
+            <a:r>
+              <a:rPr lang="pl-PL" sz="2200" dirty="0"/>
               <a:t>Celem pozostałych osób jest zbadanie funkcji:</a:t>
             </a:r>
           </a:p>
           <a:p>
-            <a:pPr lvl="1"/>
-            <a:r>
-              <a:rPr lang="pl-PL" sz="2800" dirty="0"/>
+            <a:pPr lvl="1">
+              <a:lnSpc>
+                <a:spcPct val="100000"/>
+              </a:lnSpc>
+            </a:pPr>
+            <a:r>
+              <a:rPr lang="pl-PL" sz="2200" dirty="0"/>
               <a:t>Podawanie danych</a:t>
             </a:r>
           </a:p>
           <a:p>
-            <a:pPr lvl="1"/>
-            <a:r>
-              <a:rPr lang="pl-PL" sz="2800" dirty="0"/>
+            <a:pPr lvl="1">
+              <a:lnSpc>
+                <a:spcPct val="100000"/>
+              </a:lnSpc>
+            </a:pPr>
+            <a:r>
+              <a:rPr lang="pl-PL" sz="2200" dirty="0"/>
               <a:t>Zbieranie wyników</a:t>
             </a:r>
           </a:p>
           <a:p>
-            <a:pPr lvl="1"/>
-            <a:r>
-              <a:rPr lang="pl-PL" sz="2800" dirty="0"/>
+            <a:pPr lvl="1">
+              <a:lnSpc>
+                <a:spcPct val="100000"/>
+              </a:lnSpc>
+            </a:pPr>
+            <a:r>
+              <a:rPr lang="pl-PL" sz="2200" dirty="0"/>
               <a:t>Próba odgadnięcia typu danych i działania funkcji</a:t>
             </a:r>
-          </a:p>
-          <a:p>
-            <a:r>
-              <a:rPr lang="pl-PL" dirty="0"/>
+            <a:br>
+              <a:rPr lang="pl-PL" sz="2200" dirty="0"/>
+            </a:br>
+            <a:endParaRPr lang="pl-PL" sz="2200" dirty="0"/>
+          </a:p>
+          <a:p>
+            <a:pPr>
+              <a:lnSpc>
+                <a:spcPct val="100000"/>
+              </a:lnSpc>
+            </a:pPr>
+            <a:r>
+              <a:rPr lang="pl-PL" sz="2200" dirty="0"/>
               <a:t>Grupa aktywna (pełniąca rolę funkcji) ma za zadanie odpowiadać prawidłowo, zgodnie z podaną specyfikacją</a:t>
             </a:r>
           </a:p>
           <a:p>
-            <a:r>
-              <a:rPr lang="pl-PL" dirty="0"/>
-              <a:t>Zakładamy, że dla niepoprawnych typów danych, grupa „</a:t>
-            </a:r>
-            <a:r>
-              <a:rPr lang="pl-PL"/>
-              <a:t>pokazuje język”</a:t>
-            </a:r>
-            <a:endParaRPr lang="pl-PL" dirty="0"/>
-          </a:p>
-          <a:p>
-            <a:endParaRPr lang="pl-PL" dirty="0"/>
-          </a:p>
-          <a:p>
-            <a:endParaRPr lang="pl-PL" dirty="0"/>
+            <a:pPr>
+              <a:lnSpc>
+                <a:spcPct val="100000"/>
+              </a:lnSpc>
+            </a:pPr>
+            <a:r>
+              <a:rPr lang="pl-PL" sz="2200" dirty="0"/>
+              <a:t>Zakładamy, że dla niepoprawnych typów danych, grupa „pokazuje język”</a:t>
+            </a:r>
           </a:p>
         </p:txBody>
       </p:sp>
